--- a/Slides/Week 4 Lecture Slides.pptx
+++ b/Slides/Week 4 Lecture Slides.pptx
@@ -5,7 +5,7 @@
     <p:sldMasterId id="2147483660" r:id="rId1"/>
   </p:sldMasterIdLst>
   <p:notesMasterIdLst>
-    <p:notesMasterId r:id="rId24"/>
+    <p:notesMasterId r:id="rId26"/>
   </p:notesMasterIdLst>
   <p:sldIdLst>
     <p:sldId id="256" r:id="rId2"/>
@@ -25,11 +25,13 @@
     <p:sldId id="337" r:id="rId16"/>
     <p:sldId id="362" r:id="rId17"/>
     <p:sldId id="347" r:id="rId18"/>
-    <p:sldId id="342" r:id="rId19"/>
-    <p:sldId id="318" r:id="rId20"/>
-    <p:sldId id="319" r:id="rId21"/>
-    <p:sldId id="320" r:id="rId22"/>
-    <p:sldId id="321" r:id="rId23"/>
+    <p:sldId id="368" r:id="rId19"/>
+    <p:sldId id="369" r:id="rId20"/>
+    <p:sldId id="342" r:id="rId21"/>
+    <p:sldId id="318" r:id="rId22"/>
+    <p:sldId id="319" r:id="rId23"/>
+    <p:sldId id="320" r:id="rId24"/>
+    <p:sldId id="321" r:id="rId25"/>
   </p:sldIdLst>
   <p:sldSz cx="12192000" cy="6858000"/>
   <p:notesSz cx="6858000" cy="9144000"/>
@@ -218,7 +220,7 @@
           <a:p>
             <a:fld id="{FBB8FC64-E39C-4C42-B46F-635013E3CE61}" type="datetimeFigureOut">
               <a:rPr lang="en-US" smtClean="0"/>
-              <a:t>9/18/2022</a:t>
+              <a:t>9/20/2022</a:t>
             </a:fld>
             <a:endParaRPr lang="en-US"/>
           </a:p>
@@ -916,6 +918,94 @@
     <p:extLst>
       <p:ext uri="{BB962C8B-B14F-4D97-AF65-F5344CB8AC3E}">
         <p14:creationId xmlns:p14="http://schemas.microsoft.com/office/powerpoint/2010/main" val="1385983148"/>
+      </p:ext>
+    </p:extLst>
+  </p:cSld>
+  <p:clrMapOvr>
+    <a:masterClrMapping/>
+  </p:clrMapOvr>
+</p:notes>
+</file>
+
+<file path=ppt/notesSlides/notesSlide14.xml><?xml version="1.0" encoding="utf-8"?>
+<p:notes xmlns:a="http://schemas.openxmlformats.org/drawingml/2006/main" xmlns:r="http://schemas.openxmlformats.org/officeDocument/2006/relationships" xmlns:p="http://schemas.openxmlformats.org/presentationml/2006/main">
+  <p:cSld>
+    <p:spTree>
+      <p:nvGrpSpPr>
+        <p:cNvPr id="1" name=""/>
+        <p:cNvGrpSpPr/>
+        <p:nvPr/>
+      </p:nvGrpSpPr>
+      <p:grpSpPr>
+        <a:xfrm>
+          <a:off x="0" y="0"/>
+          <a:ext cx="0" cy="0"/>
+          <a:chOff x="0" y="0"/>
+          <a:chExt cx="0" cy="0"/>
+        </a:xfrm>
+      </p:grpSpPr>
+      <p:sp>
+        <p:nvSpPr>
+          <p:cNvPr id="2" name="Slide Image Placeholder 1"/>
+          <p:cNvSpPr>
+            <a:spLocks noGrp="1" noRot="1" noChangeAspect="1"/>
+          </p:cNvSpPr>
+          <p:nvPr>
+            <p:ph type="sldImg"/>
+          </p:nvPr>
+        </p:nvSpPr>
+        <p:spPr/>
+      </p:sp>
+      <p:sp>
+        <p:nvSpPr>
+          <p:cNvPr id="3" name="Notes Placeholder 2"/>
+          <p:cNvSpPr>
+            <a:spLocks noGrp="1"/>
+          </p:cNvSpPr>
+          <p:nvPr>
+            <p:ph type="body" idx="1"/>
+          </p:nvPr>
+        </p:nvSpPr>
+        <p:spPr/>
+        <p:txBody>
+          <a:bodyPr/>
+          <a:lstStyle/>
+          <a:p>
+            <a:pPr marL="171450" indent="-171450">
+              <a:buFont typeface="Arial" panose="020B0604020202020204" pitchFamily="34" charset="0"/>
+              <a:buChar char="•"/>
+            </a:pPr>
+            <a:endParaRPr lang="en-US" dirty="0"/>
+          </a:p>
+        </p:txBody>
+      </p:sp>
+      <p:sp>
+        <p:nvSpPr>
+          <p:cNvPr id="4" name="Slide Number Placeholder 3"/>
+          <p:cNvSpPr>
+            <a:spLocks noGrp="1"/>
+          </p:cNvSpPr>
+          <p:nvPr>
+            <p:ph type="sldNum" sz="quarter" idx="5"/>
+          </p:nvPr>
+        </p:nvSpPr>
+        <p:spPr/>
+        <p:txBody>
+          <a:bodyPr/>
+          <a:lstStyle/>
+          <a:p>
+            <a:fld id="{05128D9E-E9B9-4A2D-AB49-1C92CAFDAE5A}" type="slidenum">
+              <a:rPr lang="en-US" smtClean="0"/>
+              <a:t>19</a:t>
+            </a:fld>
+            <a:endParaRPr lang="en-US"/>
+          </a:p>
+        </p:txBody>
+      </p:sp>
+    </p:spTree>
+    <p:extLst>
+      <p:ext uri="{BB962C8B-B14F-4D97-AF65-F5344CB8AC3E}">
+        <p14:creationId xmlns:p14="http://schemas.microsoft.com/office/powerpoint/2010/main" val="1986824848"/>
       </p:ext>
     </p:extLst>
   </p:cSld>
@@ -2347,7 +2437,7 @@
           <a:p>
             <a:fld id="{BDCF5898-5A22-4DB9-8321-F98B64690223}" type="datetimeFigureOut">
               <a:rPr lang="en-US" smtClean="0"/>
-              <a:t>9/18/2022</a:t>
+              <a:t>9/20/2022</a:t>
             </a:fld>
             <a:endParaRPr lang="en-US"/>
           </a:p>
@@ -2598,7 +2688,7 @@
           <a:p>
             <a:fld id="{BDCF5898-5A22-4DB9-8321-F98B64690223}" type="datetimeFigureOut">
               <a:rPr lang="en-US" smtClean="0"/>
-              <a:t>9/18/2022</a:t>
+              <a:t>9/20/2022</a:t>
             </a:fld>
             <a:endParaRPr lang="en-US"/>
           </a:p>
@@ -2912,7 +3002,7 @@
           <a:p>
             <a:fld id="{BDCF5898-5A22-4DB9-8321-F98B64690223}" type="datetimeFigureOut">
               <a:rPr lang="en-US" smtClean="0"/>
-              <a:t>9/18/2022</a:t>
+              <a:t>9/20/2022</a:t>
             </a:fld>
             <a:endParaRPr lang="en-US"/>
           </a:p>
@@ -3253,7 +3343,7 @@
           <a:p>
             <a:fld id="{BDCF5898-5A22-4DB9-8321-F98B64690223}" type="datetimeFigureOut">
               <a:rPr lang="en-US" smtClean="0"/>
-              <a:t>9/18/2022</a:t>
+              <a:t>9/20/2022</a:t>
             </a:fld>
             <a:endParaRPr lang="en-US"/>
           </a:p>
@@ -3567,7 +3657,7 @@
           <a:p>
             <a:fld id="{BDCF5898-5A22-4DB9-8321-F98B64690223}" type="datetimeFigureOut">
               <a:rPr lang="en-US" smtClean="0"/>
-              <a:t>9/18/2022</a:t>
+              <a:t>9/20/2022</a:t>
             </a:fld>
             <a:endParaRPr lang="en-US"/>
           </a:p>
@@ -3960,7 +4050,7 @@
           <a:p>
             <a:fld id="{BDCF5898-5A22-4DB9-8321-F98B64690223}" type="datetimeFigureOut">
               <a:rPr lang="en-US" smtClean="0"/>
-              <a:t>9/18/2022</a:t>
+              <a:t>9/20/2022</a:t>
             </a:fld>
             <a:endParaRPr lang="en-US"/>
           </a:p>
@@ -4130,7 +4220,7 @@
           <a:p>
             <a:fld id="{BDCF5898-5A22-4DB9-8321-F98B64690223}" type="datetimeFigureOut">
               <a:rPr lang="en-US" smtClean="0"/>
-              <a:t>9/18/2022</a:t>
+              <a:t>9/20/2022</a:t>
             </a:fld>
             <a:endParaRPr lang="en-US"/>
           </a:p>
@@ -4310,7 +4400,7 @@
           <a:p>
             <a:fld id="{BDCF5898-5A22-4DB9-8321-F98B64690223}" type="datetimeFigureOut">
               <a:rPr lang="en-US" smtClean="0"/>
-              <a:t>9/18/2022</a:t>
+              <a:t>9/20/2022</a:t>
             </a:fld>
             <a:endParaRPr lang="en-US"/>
           </a:p>
@@ -4486,7 +4576,7 @@
           <a:p>
             <a:fld id="{BDCF5898-5A22-4DB9-8321-F98B64690223}" type="datetimeFigureOut">
               <a:rPr lang="en-US" smtClean="0"/>
-              <a:t>9/18/2022</a:t>
+              <a:t>9/20/2022</a:t>
             </a:fld>
             <a:endParaRPr lang="en-US"/>
           </a:p>
@@ -4733,7 +4823,7 @@
           <a:p>
             <a:fld id="{BDCF5898-5A22-4DB9-8321-F98B64690223}" type="datetimeFigureOut">
               <a:rPr lang="en-US" smtClean="0"/>
-              <a:t>9/18/2022</a:t>
+              <a:t>9/20/2022</a:t>
             </a:fld>
             <a:endParaRPr lang="en-US"/>
           </a:p>
@@ -4965,7 +5055,7 @@
           <a:p>
             <a:fld id="{BDCF5898-5A22-4DB9-8321-F98B64690223}" type="datetimeFigureOut">
               <a:rPr lang="en-US" smtClean="0"/>
-              <a:t>9/18/2022</a:t>
+              <a:t>9/20/2022</a:t>
             </a:fld>
             <a:endParaRPr lang="en-US"/>
           </a:p>
@@ -5339,7 +5429,7 @@
           <a:p>
             <a:fld id="{BDCF5898-5A22-4DB9-8321-F98B64690223}" type="datetimeFigureOut">
               <a:rPr lang="en-US" smtClean="0"/>
-              <a:t>9/18/2022</a:t>
+              <a:t>9/20/2022</a:t>
             </a:fld>
             <a:endParaRPr lang="en-US"/>
           </a:p>
@@ -5462,7 +5552,7 @@
           <a:p>
             <a:fld id="{BDCF5898-5A22-4DB9-8321-F98B64690223}" type="datetimeFigureOut">
               <a:rPr lang="en-US" smtClean="0"/>
-              <a:t>9/18/2022</a:t>
+              <a:t>9/20/2022</a:t>
             </a:fld>
             <a:endParaRPr lang="en-US"/>
           </a:p>
@@ -5557,7 +5647,7 @@
           <a:p>
             <a:fld id="{BDCF5898-5A22-4DB9-8321-F98B64690223}" type="datetimeFigureOut">
               <a:rPr lang="en-US" smtClean="0"/>
-              <a:t>9/18/2022</a:t>
+              <a:t>9/20/2022</a:t>
             </a:fld>
             <a:endParaRPr lang="en-US"/>
           </a:p>
@@ -5812,7 +5902,7 @@
           <a:p>
             <a:fld id="{BDCF5898-5A22-4DB9-8321-F98B64690223}" type="datetimeFigureOut">
               <a:rPr lang="en-US" smtClean="0"/>
-              <a:t>9/18/2022</a:t>
+              <a:t>9/20/2022</a:t>
             </a:fld>
             <a:endParaRPr lang="en-US"/>
           </a:p>
@@ -6075,7 +6165,7 @@
           <a:p>
             <a:fld id="{BDCF5898-5A22-4DB9-8321-F98B64690223}" type="datetimeFigureOut">
               <a:rPr lang="en-US" smtClean="0"/>
-              <a:t>9/18/2022</a:t>
+              <a:t>9/20/2022</a:t>
             </a:fld>
             <a:endParaRPr lang="en-US"/>
           </a:p>
@@ -6818,7 +6908,7 @@
           <a:p>
             <a:fld id="{BDCF5898-5A22-4DB9-8321-F98B64690223}" type="datetimeFigureOut">
               <a:rPr lang="en-US" smtClean="0"/>
-              <a:t>9/18/2022</a:t>
+              <a:t>9/20/2022</a:t>
             </a:fld>
             <a:endParaRPr lang="en-US"/>
           </a:p>
@@ -8070,7 +8160,7 @@
           <a:p>
             <a:r>
               <a:rPr lang="en-US" sz="2200" dirty="0"/>
-              <a:t>LAG function retrieves value from pervious row</a:t>
+              <a:t>LAG function retrieves value from previous row</a:t>
             </a:r>
           </a:p>
           <a:p>
@@ -8085,7 +8175,7 @@
           <a:p>
             <a:r>
               <a:rPr lang="en-US" sz="2200" dirty="0"/>
-              <a:t>Could show percentage diff form previous row (show example)</a:t>
+              <a:t>Use Case: show percentage difference from previous row</a:t>
             </a:r>
           </a:p>
           <a:p>
@@ -8174,6 +8264,369 @@
 </file>
 
 <file path=ppt/slides/slide18.xml><?xml version="1.0" encoding="utf-8"?>
+<p:sld xmlns:a="http://schemas.openxmlformats.org/drawingml/2006/main" xmlns:r="http://schemas.openxmlformats.org/officeDocument/2006/relationships" xmlns:p="http://schemas.openxmlformats.org/presentationml/2006/main">
+  <p:cSld>
+    <p:spTree>
+      <p:nvGrpSpPr>
+        <p:cNvPr id="1" name=""/>
+        <p:cNvGrpSpPr/>
+        <p:nvPr/>
+      </p:nvGrpSpPr>
+      <p:grpSpPr>
+        <a:xfrm>
+          <a:off x="0" y="0"/>
+          <a:ext cx="0" cy="0"/>
+          <a:chOff x="0" y="0"/>
+          <a:chExt cx="0" cy="0"/>
+        </a:xfrm>
+      </p:grpSpPr>
+      <p:sp>
+        <p:nvSpPr>
+          <p:cNvPr id="2" name="Title 1">
+            <a:extLst>
+              <a:ext uri="{FF2B5EF4-FFF2-40B4-BE49-F238E27FC236}">
+                <a16:creationId xmlns:a16="http://schemas.microsoft.com/office/drawing/2014/main" id="{972486FC-8DDC-4C84-B6A8-725DE7A8E599}"/>
+              </a:ext>
+            </a:extLst>
+          </p:cNvPr>
+          <p:cNvSpPr>
+            <a:spLocks noGrp="1"/>
+          </p:cNvSpPr>
+          <p:nvPr>
+            <p:ph type="title"/>
+          </p:nvPr>
+        </p:nvSpPr>
+        <p:spPr>
+          <a:xfrm>
+            <a:off x="677334" y="609600"/>
+            <a:ext cx="8778900" cy="1320800"/>
+          </a:xfrm>
+        </p:spPr>
+        <p:txBody>
+          <a:bodyPr/>
+          <a:lstStyle/>
+          <a:p>
+            <a:r>
+              <a:rPr lang="en-US" dirty="0"/>
+              <a:t>Unbounded Preceding vs Empty Windowing Clause</a:t>
+            </a:r>
+          </a:p>
+        </p:txBody>
+      </p:sp>
+      <p:sp>
+        <p:nvSpPr>
+          <p:cNvPr id="16" name="Content Placeholder 2">
+            <a:extLst>
+              <a:ext uri="{FF2B5EF4-FFF2-40B4-BE49-F238E27FC236}">
+                <a16:creationId xmlns:a16="http://schemas.microsoft.com/office/drawing/2014/main" id="{869FB96E-5ABD-4F5A-9118-E724B5DC8545}"/>
+              </a:ext>
+            </a:extLst>
+          </p:cNvPr>
+          <p:cNvSpPr>
+            <a:spLocks noGrp="1"/>
+          </p:cNvSpPr>
+          <p:nvPr>
+            <p:ph idx="1"/>
+          </p:nvPr>
+        </p:nvSpPr>
+        <p:spPr>
+          <a:xfrm>
+            <a:off x="677334" y="1930400"/>
+            <a:ext cx="8860949" cy="4693619"/>
+          </a:xfrm>
+        </p:spPr>
+        <p:txBody>
+          <a:bodyPr>
+            <a:normAutofit/>
+          </a:bodyPr>
+          <a:lstStyle/>
+          <a:p>
+            <a:r>
+              <a:rPr lang="en-US" sz="2200" dirty="0"/>
+              <a:t>While conceptually, empty windowing clauses and setting your window clause to ‘ROWS UNBOUNDED PRECEDING’ may seem the same, there are key differences in how they treat ties in the ORDER BY clause</a:t>
+            </a:r>
+          </a:p>
+          <a:p>
+            <a:endParaRPr lang="en-US" sz="2200" dirty="0"/>
+          </a:p>
+          <a:p>
+            <a:r>
+              <a:rPr lang="en-US" sz="2200" dirty="0"/>
+              <a:t> Analytic functions with an empty window clause treat ties in the ORDER BY clause as one conflated row and return same value for each row</a:t>
+            </a:r>
+          </a:p>
+          <a:p>
+            <a:endParaRPr lang="en-US" sz="2200" dirty="0"/>
+          </a:p>
+          <a:p>
+            <a:r>
+              <a:rPr lang="en-US" sz="2200" dirty="0"/>
+              <a:t>Analytic function with ROWS UNBOUNDED PRECEDING in the window clause treat ties in the ORDER BY clause as separate rows</a:t>
+            </a:r>
+          </a:p>
+          <a:p>
+            <a:pPr marL="0" indent="0">
+              <a:buNone/>
+            </a:pPr>
+            <a:endParaRPr lang="en-US" sz="2000" dirty="0"/>
+          </a:p>
+        </p:txBody>
+      </p:sp>
+    </p:spTree>
+    <p:extLst>
+      <p:ext uri="{BB962C8B-B14F-4D97-AF65-F5344CB8AC3E}">
+        <p14:creationId xmlns:p14="http://schemas.microsoft.com/office/powerpoint/2010/main" val="1314499551"/>
+      </p:ext>
+    </p:extLst>
+  </p:cSld>
+  <p:clrMapOvr>
+    <a:masterClrMapping/>
+  </p:clrMapOvr>
+</p:sld>
+</file>
+
+<file path=ppt/slides/slide19.xml><?xml version="1.0" encoding="utf-8"?>
+<p:sld xmlns:a="http://schemas.openxmlformats.org/drawingml/2006/main" xmlns:r="http://schemas.openxmlformats.org/officeDocument/2006/relationships" xmlns:p="http://schemas.openxmlformats.org/presentationml/2006/main">
+  <p:cSld>
+    <p:spTree>
+      <p:nvGrpSpPr>
+        <p:cNvPr id="1" name=""/>
+        <p:cNvGrpSpPr/>
+        <p:nvPr/>
+      </p:nvGrpSpPr>
+      <p:grpSpPr>
+        <a:xfrm>
+          <a:off x="0" y="0"/>
+          <a:ext cx="0" cy="0"/>
+          <a:chOff x="0" y="0"/>
+          <a:chExt cx="0" cy="0"/>
+        </a:xfrm>
+      </p:grpSpPr>
+      <p:sp>
+        <p:nvSpPr>
+          <p:cNvPr id="2" name="Title 1">
+            <a:extLst>
+              <a:ext uri="{FF2B5EF4-FFF2-40B4-BE49-F238E27FC236}">
+                <a16:creationId xmlns:a16="http://schemas.microsoft.com/office/drawing/2014/main" id="{19AE8673-E267-4C34-83B2-E50F8C6C8167}"/>
+              </a:ext>
+            </a:extLst>
+          </p:cNvPr>
+          <p:cNvSpPr>
+            <a:spLocks noGrp="1"/>
+          </p:cNvSpPr>
+          <p:nvPr>
+            <p:ph type="ctrTitle"/>
+          </p:nvPr>
+        </p:nvSpPr>
+        <p:spPr>
+          <a:xfrm>
+            <a:off x="1448344" y="2404531"/>
+            <a:ext cx="7766936" cy="1646302"/>
+          </a:xfrm>
+        </p:spPr>
+        <p:txBody>
+          <a:bodyPr/>
+          <a:lstStyle/>
+          <a:p>
+            <a:pPr algn="l"/>
+            <a:r>
+              <a:rPr lang="en-US" dirty="0"/>
+              <a:t>Demo Set 4.6</a:t>
+            </a:r>
+          </a:p>
+        </p:txBody>
+      </p:sp>
+    </p:spTree>
+    <p:extLst>
+      <p:ext uri="{BB962C8B-B14F-4D97-AF65-F5344CB8AC3E}">
+        <p14:creationId xmlns:p14="http://schemas.microsoft.com/office/powerpoint/2010/main" val="1618455597"/>
+      </p:ext>
+    </p:extLst>
+  </p:cSld>
+  <p:clrMapOvr>
+    <a:masterClrMapping/>
+  </p:clrMapOvr>
+</p:sld>
+</file>
+
+<file path=ppt/slides/slide2.xml><?xml version="1.0" encoding="utf-8"?>
+<p:sld xmlns:a="http://schemas.openxmlformats.org/drawingml/2006/main" xmlns:r="http://schemas.openxmlformats.org/officeDocument/2006/relationships" xmlns:p="http://schemas.openxmlformats.org/presentationml/2006/main">
+  <p:cSld>
+    <p:spTree>
+      <p:nvGrpSpPr>
+        <p:cNvPr id="1" name=""/>
+        <p:cNvGrpSpPr/>
+        <p:nvPr/>
+      </p:nvGrpSpPr>
+      <p:grpSpPr>
+        <a:xfrm>
+          <a:off x="0" y="0"/>
+          <a:ext cx="0" cy="0"/>
+          <a:chOff x="0" y="0"/>
+          <a:chExt cx="0" cy="0"/>
+        </a:xfrm>
+      </p:grpSpPr>
+      <p:sp>
+        <p:nvSpPr>
+          <p:cNvPr id="2" name="Title 1">
+            <a:extLst>
+              <a:ext uri="{FF2B5EF4-FFF2-40B4-BE49-F238E27FC236}">
+                <a16:creationId xmlns:a16="http://schemas.microsoft.com/office/drawing/2014/main" id="{972486FC-8DDC-4C84-B6A8-725DE7A8E599}"/>
+              </a:ext>
+            </a:extLst>
+          </p:cNvPr>
+          <p:cNvSpPr>
+            <a:spLocks noGrp="1"/>
+          </p:cNvSpPr>
+          <p:nvPr>
+            <p:ph type="title"/>
+          </p:nvPr>
+        </p:nvSpPr>
+        <p:spPr/>
+        <p:txBody>
+          <a:bodyPr/>
+          <a:lstStyle/>
+          <a:p>
+            <a:r>
+              <a:rPr lang="en-US" dirty="0"/>
+              <a:t>Agenda</a:t>
+            </a:r>
+          </a:p>
+        </p:txBody>
+      </p:sp>
+      <p:sp>
+        <p:nvSpPr>
+          <p:cNvPr id="3" name="Content Placeholder 2">
+            <a:extLst>
+              <a:ext uri="{FF2B5EF4-FFF2-40B4-BE49-F238E27FC236}">
+                <a16:creationId xmlns:a16="http://schemas.microsoft.com/office/drawing/2014/main" id="{1DB1CE26-418F-45FC-AA99-0245893AD75B}"/>
+              </a:ext>
+            </a:extLst>
+          </p:cNvPr>
+          <p:cNvSpPr>
+            <a:spLocks noGrp="1"/>
+          </p:cNvSpPr>
+          <p:nvPr>
+            <p:ph idx="1"/>
+          </p:nvPr>
+        </p:nvSpPr>
+        <p:spPr>
+          <a:xfrm>
+            <a:off x="677333" y="1674026"/>
+            <a:ext cx="9582034" cy="4666483"/>
+          </a:xfrm>
+        </p:spPr>
+        <p:txBody>
+          <a:bodyPr>
+            <a:normAutofit/>
+          </a:bodyPr>
+          <a:lstStyle/>
+          <a:p>
+            <a:pPr>
+              <a:lnSpc>
+                <a:spcPct val="200000"/>
+              </a:lnSpc>
+            </a:pPr>
+            <a:r>
+              <a:rPr lang="en-US" sz="2000" dirty="0"/>
+              <a:t>Review</a:t>
+            </a:r>
+          </a:p>
+          <a:p>
+            <a:pPr>
+              <a:lnSpc>
+                <a:spcPct val="200000"/>
+              </a:lnSpc>
+            </a:pPr>
+            <a:r>
+              <a:rPr lang="en-US" sz="2000" dirty="0"/>
+              <a:t>Analytic Functions Intro</a:t>
+            </a:r>
+          </a:p>
+          <a:p>
+            <a:pPr>
+              <a:lnSpc>
+                <a:spcPct val="200000"/>
+              </a:lnSpc>
+            </a:pPr>
+            <a:r>
+              <a:rPr lang="en-US" sz="2000" dirty="0"/>
+              <a:t>Rank Functions</a:t>
+            </a:r>
+          </a:p>
+          <a:p>
+            <a:pPr>
+              <a:lnSpc>
+                <a:spcPct val="200000"/>
+              </a:lnSpc>
+            </a:pPr>
+            <a:r>
+              <a:rPr lang="en-US" sz="2000" dirty="0"/>
+              <a:t>Multiple Rankings – Windows </a:t>
+            </a:r>
+          </a:p>
+          <a:p>
+            <a:pPr>
+              <a:lnSpc>
+                <a:spcPct val="200000"/>
+              </a:lnSpc>
+            </a:pPr>
+            <a:r>
+              <a:rPr lang="en-US" sz="2000" dirty="0"/>
+              <a:t>Window Frames</a:t>
+            </a:r>
+          </a:p>
+          <a:p>
+            <a:pPr>
+              <a:lnSpc>
+                <a:spcPct val="200000"/>
+              </a:lnSpc>
+            </a:pPr>
+            <a:r>
+              <a:rPr lang="en-US" sz="2000" dirty="0"/>
+              <a:t>LAG and LEAD Functions</a:t>
+            </a:r>
+          </a:p>
+          <a:p>
+            <a:pPr>
+              <a:lnSpc>
+                <a:spcPct val="200000"/>
+              </a:lnSpc>
+            </a:pPr>
+            <a:endParaRPr lang="en-US" sz="2000" dirty="0"/>
+          </a:p>
+          <a:p>
+            <a:pPr>
+              <a:lnSpc>
+                <a:spcPct val="200000"/>
+              </a:lnSpc>
+            </a:pPr>
+            <a:endParaRPr lang="en-US" sz="2000" dirty="0"/>
+          </a:p>
+          <a:p>
+            <a:pPr>
+              <a:lnSpc>
+                <a:spcPct val="200000"/>
+              </a:lnSpc>
+            </a:pPr>
+            <a:endParaRPr lang="en-US" sz="2000" dirty="0"/>
+          </a:p>
+        </p:txBody>
+      </p:sp>
+    </p:spTree>
+    <p:extLst>
+      <p:ext uri="{BB962C8B-B14F-4D97-AF65-F5344CB8AC3E}">
+        <p14:creationId xmlns:p14="http://schemas.microsoft.com/office/powerpoint/2010/main" val="3672567979"/>
+      </p:ext>
+    </p:extLst>
+  </p:cSld>
+  <p:clrMapOvr>
+    <a:masterClrMapping/>
+  </p:clrMapOvr>
+</p:sld>
+</file>
+
+<file path=ppt/slides/slide20.xml><?xml version="1.0" encoding="utf-8"?>
 <p:sld xmlns:a="http://schemas.openxmlformats.org/drawingml/2006/main" xmlns:r="http://schemas.openxmlformats.org/officeDocument/2006/relationships" xmlns:p="http://schemas.openxmlformats.org/presentationml/2006/main">
   <p:cSld>
     <p:spTree>
@@ -8764,423 +9217,6 @@
 </p:sld>
 </file>
 
-<file path=ppt/slides/slide19.xml><?xml version="1.0" encoding="utf-8"?>
-<p:sld xmlns:a="http://schemas.openxmlformats.org/drawingml/2006/main" xmlns:r="http://schemas.openxmlformats.org/officeDocument/2006/relationships" xmlns:p="http://schemas.openxmlformats.org/presentationml/2006/main">
-  <p:cSld>
-    <p:spTree>
-      <p:nvGrpSpPr>
-        <p:cNvPr id="1" name=""/>
-        <p:cNvGrpSpPr/>
-        <p:nvPr/>
-      </p:nvGrpSpPr>
-      <p:grpSpPr>
-        <a:xfrm>
-          <a:off x="0" y="0"/>
-          <a:ext cx="0" cy="0"/>
-          <a:chOff x="0" y="0"/>
-          <a:chExt cx="0" cy="0"/>
-        </a:xfrm>
-      </p:grpSpPr>
-      <p:sp>
-        <p:nvSpPr>
-          <p:cNvPr id="2" name="Title 1">
-            <a:extLst>
-              <a:ext uri="{FF2B5EF4-FFF2-40B4-BE49-F238E27FC236}">
-                <a16:creationId xmlns:a16="http://schemas.microsoft.com/office/drawing/2014/main" id="{972486FC-8DDC-4C84-B6A8-725DE7A8E599}"/>
-              </a:ext>
-            </a:extLst>
-          </p:cNvPr>
-          <p:cNvSpPr>
-            <a:spLocks noGrp="1"/>
-          </p:cNvSpPr>
-          <p:nvPr>
-            <p:ph type="title"/>
-          </p:nvPr>
-        </p:nvSpPr>
-        <p:spPr/>
-        <p:txBody>
-          <a:bodyPr/>
-          <a:lstStyle/>
-          <a:p>
-            <a:r>
-              <a:rPr lang="en-US" dirty="0"/>
-              <a:t>Resources to Practice</a:t>
-            </a:r>
-          </a:p>
-        </p:txBody>
-      </p:sp>
-      <p:sp>
-        <p:nvSpPr>
-          <p:cNvPr id="3" name="Content Placeholder 2">
-            <a:extLst>
-              <a:ext uri="{FF2B5EF4-FFF2-40B4-BE49-F238E27FC236}">
-                <a16:creationId xmlns:a16="http://schemas.microsoft.com/office/drawing/2014/main" id="{1DB1CE26-418F-45FC-AA99-0245893AD75B}"/>
-              </a:ext>
-            </a:extLst>
-          </p:cNvPr>
-          <p:cNvSpPr>
-            <a:spLocks noGrp="1"/>
-          </p:cNvSpPr>
-          <p:nvPr>
-            <p:ph idx="1"/>
-          </p:nvPr>
-        </p:nvSpPr>
-        <p:spPr>
-          <a:xfrm>
-            <a:off x="677333" y="1732750"/>
-            <a:ext cx="9295342" cy="3880773"/>
-          </a:xfrm>
-        </p:spPr>
-        <p:txBody>
-          <a:bodyPr>
-            <a:normAutofit/>
-          </a:bodyPr>
-          <a:lstStyle/>
-          <a:p>
-            <a:pPr>
-              <a:lnSpc>
-                <a:spcPct val="200000"/>
-              </a:lnSpc>
-            </a:pPr>
-            <a:r>
-              <a:rPr lang="en-US" sz="2000" dirty="0"/>
-              <a:t>WindowFunction.com: </a:t>
-            </a:r>
-            <a:r>
-              <a:rPr lang="en-US" sz="2000" dirty="0">
-                <a:hlinkClick r:id="rId2"/>
-              </a:rPr>
-              <a:t>https://www.windowfunctions.com/questions/over/1</a:t>
-            </a:r>
-            <a:endParaRPr lang="en-US" sz="2000" dirty="0"/>
-          </a:p>
-          <a:p>
-            <a:pPr>
-              <a:lnSpc>
-                <a:spcPct val="200000"/>
-              </a:lnSpc>
-            </a:pPr>
-            <a:r>
-              <a:rPr lang="en-US" sz="2000" dirty="0"/>
-              <a:t>Code Academy SQL Course: </a:t>
-            </a:r>
-            <a:r>
-              <a:rPr lang="en-US" sz="2000" dirty="0">
-                <a:hlinkClick r:id="rId3"/>
-              </a:rPr>
-              <a:t>https://www.codecademy.com/learn/learn-sql</a:t>
-            </a:r>
-            <a:endParaRPr lang="en-US" sz="2000" dirty="0"/>
-          </a:p>
-          <a:p>
-            <a:pPr>
-              <a:lnSpc>
-                <a:spcPct val="200000"/>
-              </a:lnSpc>
-            </a:pPr>
-            <a:r>
-              <a:rPr lang="en-US" sz="2000" dirty="0"/>
-              <a:t>SQL Zoo: </a:t>
-            </a:r>
-            <a:r>
-              <a:rPr lang="en-US" sz="2000" dirty="0">
-                <a:hlinkClick r:id="rId4"/>
-              </a:rPr>
-              <a:t>https://sqlzoo.net/</a:t>
-            </a:r>
-            <a:endParaRPr lang="en-US" sz="2000" dirty="0"/>
-          </a:p>
-          <a:p>
-            <a:pPr>
-              <a:lnSpc>
-                <a:spcPct val="200000"/>
-              </a:lnSpc>
-            </a:pPr>
-            <a:r>
-              <a:rPr lang="en-US" sz="2000" dirty="0"/>
-              <a:t>W3 Schools: </a:t>
-            </a:r>
-            <a:r>
-              <a:rPr lang="en-US" sz="2000" dirty="0">
-                <a:hlinkClick r:id="rId5"/>
-              </a:rPr>
-              <a:t>https://www.w3schools.com/sql/sql_exercises.asp</a:t>
-            </a:r>
-            <a:endParaRPr lang="en-US" sz="2000" dirty="0"/>
-          </a:p>
-          <a:p>
-            <a:pPr marL="0" indent="0">
-              <a:lnSpc>
-                <a:spcPct val="200000"/>
-              </a:lnSpc>
-              <a:buNone/>
-            </a:pPr>
-            <a:endParaRPr lang="en-US" sz="2000" dirty="0"/>
-          </a:p>
-          <a:p>
-            <a:pPr>
-              <a:lnSpc>
-                <a:spcPct val="200000"/>
-              </a:lnSpc>
-            </a:pPr>
-            <a:endParaRPr lang="en-US" sz="2000" dirty="0"/>
-          </a:p>
-        </p:txBody>
-      </p:sp>
-    </p:spTree>
-    <p:extLst>
-      <p:ext uri="{BB962C8B-B14F-4D97-AF65-F5344CB8AC3E}">
-        <p14:creationId xmlns:p14="http://schemas.microsoft.com/office/powerpoint/2010/main" val="555277752"/>
-      </p:ext>
-    </p:extLst>
-  </p:cSld>
-  <p:clrMapOvr>
-    <a:masterClrMapping/>
-  </p:clrMapOvr>
-</p:sld>
-</file>
-
-<file path=ppt/slides/slide2.xml><?xml version="1.0" encoding="utf-8"?>
-<p:sld xmlns:a="http://schemas.openxmlformats.org/drawingml/2006/main" xmlns:r="http://schemas.openxmlformats.org/officeDocument/2006/relationships" xmlns:p="http://schemas.openxmlformats.org/presentationml/2006/main">
-  <p:cSld>
-    <p:spTree>
-      <p:nvGrpSpPr>
-        <p:cNvPr id="1" name=""/>
-        <p:cNvGrpSpPr/>
-        <p:nvPr/>
-      </p:nvGrpSpPr>
-      <p:grpSpPr>
-        <a:xfrm>
-          <a:off x="0" y="0"/>
-          <a:ext cx="0" cy="0"/>
-          <a:chOff x="0" y="0"/>
-          <a:chExt cx="0" cy="0"/>
-        </a:xfrm>
-      </p:grpSpPr>
-      <p:sp>
-        <p:nvSpPr>
-          <p:cNvPr id="2" name="Title 1">
-            <a:extLst>
-              <a:ext uri="{FF2B5EF4-FFF2-40B4-BE49-F238E27FC236}">
-                <a16:creationId xmlns:a16="http://schemas.microsoft.com/office/drawing/2014/main" id="{972486FC-8DDC-4C84-B6A8-725DE7A8E599}"/>
-              </a:ext>
-            </a:extLst>
-          </p:cNvPr>
-          <p:cNvSpPr>
-            <a:spLocks noGrp="1"/>
-          </p:cNvSpPr>
-          <p:nvPr>
-            <p:ph type="title"/>
-          </p:nvPr>
-        </p:nvSpPr>
-        <p:spPr/>
-        <p:txBody>
-          <a:bodyPr/>
-          <a:lstStyle/>
-          <a:p>
-            <a:r>
-              <a:rPr lang="en-US" dirty="0"/>
-              <a:t>Agenda</a:t>
-            </a:r>
-          </a:p>
-        </p:txBody>
-      </p:sp>
-      <p:sp>
-        <p:nvSpPr>
-          <p:cNvPr id="3" name="Content Placeholder 2">
-            <a:extLst>
-              <a:ext uri="{FF2B5EF4-FFF2-40B4-BE49-F238E27FC236}">
-                <a16:creationId xmlns:a16="http://schemas.microsoft.com/office/drawing/2014/main" id="{1DB1CE26-418F-45FC-AA99-0245893AD75B}"/>
-              </a:ext>
-            </a:extLst>
-          </p:cNvPr>
-          <p:cNvSpPr>
-            <a:spLocks noGrp="1"/>
-          </p:cNvSpPr>
-          <p:nvPr>
-            <p:ph idx="1"/>
-          </p:nvPr>
-        </p:nvSpPr>
-        <p:spPr>
-          <a:xfrm>
-            <a:off x="677333" y="1674026"/>
-            <a:ext cx="9582034" cy="4666483"/>
-          </a:xfrm>
-        </p:spPr>
-        <p:txBody>
-          <a:bodyPr>
-            <a:normAutofit/>
-          </a:bodyPr>
-          <a:lstStyle/>
-          <a:p>
-            <a:pPr>
-              <a:lnSpc>
-                <a:spcPct val="200000"/>
-              </a:lnSpc>
-            </a:pPr>
-            <a:r>
-              <a:rPr lang="en-US" sz="2000" dirty="0"/>
-              <a:t>Review</a:t>
-            </a:r>
-          </a:p>
-          <a:p>
-            <a:pPr>
-              <a:lnSpc>
-                <a:spcPct val="200000"/>
-              </a:lnSpc>
-            </a:pPr>
-            <a:r>
-              <a:rPr lang="en-US" sz="2000" dirty="0"/>
-              <a:t>Analytic Functions Intro</a:t>
-            </a:r>
-          </a:p>
-          <a:p>
-            <a:pPr>
-              <a:lnSpc>
-                <a:spcPct val="200000"/>
-              </a:lnSpc>
-            </a:pPr>
-            <a:r>
-              <a:rPr lang="en-US" sz="2000" dirty="0"/>
-              <a:t>Rank Functions</a:t>
-            </a:r>
-          </a:p>
-          <a:p>
-            <a:pPr>
-              <a:lnSpc>
-                <a:spcPct val="200000"/>
-              </a:lnSpc>
-            </a:pPr>
-            <a:r>
-              <a:rPr lang="en-US" sz="2000" dirty="0"/>
-              <a:t>Multiple Rankings – Windows </a:t>
-            </a:r>
-          </a:p>
-          <a:p>
-            <a:pPr>
-              <a:lnSpc>
-                <a:spcPct val="200000"/>
-              </a:lnSpc>
-            </a:pPr>
-            <a:r>
-              <a:rPr lang="en-US" sz="2000" dirty="0"/>
-              <a:t>Window Frames</a:t>
-            </a:r>
-          </a:p>
-          <a:p>
-            <a:pPr>
-              <a:lnSpc>
-                <a:spcPct val="200000"/>
-              </a:lnSpc>
-            </a:pPr>
-            <a:r>
-              <a:rPr lang="en-US" sz="2000" dirty="0"/>
-              <a:t>LAG and LEAD Functions</a:t>
-            </a:r>
-          </a:p>
-          <a:p>
-            <a:pPr>
-              <a:lnSpc>
-                <a:spcPct val="200000"/>
-              </a:lnSpc>
-            </a:pPr>
-            <a:endParaRPr lang="en-US" sz="2000" dirty="0"/>
-          </a:p>
-          <a:p>
-            <a:pPr>
-              <a:lnSpc>
-                <a:spcPct val="200000"/>
-              </a:lnSpc>
-            </a:pPr>
-            <a:endParaRPr lang="en-US" sz="2000" dirty="0"/>
-          </a:p>
-          <a:p>
-            <a:pPr>
-              <a:lnSpc>
-                <a:spcPct val="200000"/>
-              </a:lnSpc>
-            </a:pPr>
-            <a:endParaRPr lang="en-US" sz="2000" dirty="0"/>
-          </a:p>
-        </p:txBody>
-      </p:sp>
-    </p:spTree>
-    <p:extLst>
-      <p:ext uri="{BB962C8B-B14F-4D97-AF65-F5344CB8AC3E}">
-        <p14:creationId xmlns:p14="http://schemas.microsoft.com/office/powerpoint/2010/main" val="3672567979"/>
-      </p:ext>
-    </p:extLst>
-  </p:cSld>
-  <p:clrMapOvr>
-    <a:masterClrMapping/>
-  </p:clrMapOvr>
-</p:sld>
-</file>
-
-<file path=ppt/slides/slide20.xml><?xml version="1.0" encoding="utf-8"?>
-<p:sld xmlns:a="http://schemas.openxmlformats.org/drawingml/2006/main" xmlns:r="http://schemas.openxmlformats.org/officeDocument/2006/relationships" xmlns:p="http://schemas.openxmlformats.org/presentationml/2006/main">
-  <p:cSld>
-    <p:spTree>
-      <p:nvGrpSpPr>
-        <p:cNvPr id="1" name=""/>
-        <p:cNvGrpSpPr/>
-        <p:nvPr/>
-      </p:nvGrpSpPr>
-      <p:grpSpPr>
-        <a:xfrm>
-          <a:off x="0" y="0"/>
-          <a:ext cx="0" cy="0"/>
-          <a:chOff x="0" y="0"/>
-          <a:chExt cx="0" cy="0"/>
-        </a:xfrm>
-      </p:grpSpPr>
-      <p:sp>
-        <p:nvSpPr>
-          <p:cNvPr id="2" name="Title 1">
-            <a:extLst>
-              <a:ext uri="{FF2B5EF4-FFF2-40B4-BE49-F238E27FC236}">
-                <a16:creationId xmlns:a16="http://schemas.microsoft.com/office/drawing/2014/main" id="{19AE8673-E267-4C34-83B2-E50F8C6C8167}"/>
-              </a:ext>
-            </a:extLst>
-          </p:cNvPr>
-          <p:cNvSpPr>
-            <a:spLocks noGrp="1"/>
-          </p:cNvSpPr>
-          <p:nvPr>
-            <p:ph type="ctrTitle"/>
-          </p:nvPr>
-        </p:nvSpPr>
-        <p:spPr>
-          <a:xfrm>
-            <a:off x="1448344" y="2404531"/>
-            <a:ext cx="7766936" cy="1646302"/>
-          </a:xfrm>
-        </p:spPr>
-        <p:txBody>
-          <a:bodyPr/>
-          <a:lstStyle/>
-          <a:p>
-            <a:pPr algn="l"/>
-            <a:r>
-              <a:rPr lang="en-US" dirty="0"/>
-              <a:t>Thank You!</a:t>
-            </a:r>
-          </a:p>
-        </p:txBody>
-      </p:sp>
-    </p:spTree>
-    <p:extLst>
-      <p:ext uri="{BB962C8B-B14F-4D97-AF65-F5344CB8AC3E}">
-        <p14:creationId xmlns:p14="http://schemas.microsoft.com/office/powerpoint/2010/main" val="1292329651"/>
-      </p:ext>
-    </p:extLst>
-  </p:cSld>
-  <p:clrMapOvr>
-    <a:masterClrMapping/>
-  </p:clrMapOvr>
-</p:sld>
-</file>
-
 <file path=ppt/slides/slide21.xml><?xml version="1.0" encoding="utf-8"?>
 <p:sld xmlns:a="http://schemas.openxmlformats.org/drawingml/2006/main" xmlns:r="http://schemas.openxmlformats.org/officeDocument/2006/relationships" xmlns:p="http://schemas.openxmlformats.org/presentationml/2006/main">
   <p:cSld>
@@ -9203,6 +9239,246 @@
           <p:cNvPr id="2" name="Title 1">
             <a:extLst>
               <a:ext uri="{FF2B5EF4-FFF2-40B4-BE49-F238E27FC236}">
+                <a16:creationId xmlns:a16="http://schemas.microsoft.com/office/drawing/2014/main" id="{972486FC-8DDC-4C84-B6A8-725DE7A8E599}"/>
+              </a:ext>
+            </a:extLst>
+          </p:cNvPr>
+          <p:cNvSpPr>
+            <a:spLocks noGrp="1"/>
+          </p:cNvSpPr>
+          <p:nvPr>
+            <p:ph type="title"/>
+          </p:nvPr>
+        </p:nvSpPr>
+        <p:spPr/>
+        <p:txBody>
+          <a:bodyPr/>
+          <a:lstStyle/>
+          <a:p>
+            <a:r>
+              <a:rPr lang="en-US" dirty="0"/>
+              <a:t>Resources to Practice</a:t>
+            </a:r>
+          </a:p>
+        </p:txBody>
+      </p:sp>
+      <p:sp>
+        <p:nvSpPr>
+          <p:cNvPr id="3" name="Content Placeholder 2">
+            <a:extLst>
+              <a:ext uri="{FF2B5EF4-FFF2-40B4-BE49-F238E27FC236}">
+                <a16:creationId xmlns:a16="http://schemas.microsoft.com/office/drawing/2014/main" id="{1DB1CE26-418F-45FC-AA99-0245893AD75B}"/>
+              </a:ext>
+            </a:extLst>
+          </p:cNvPr>
+          <p:cNvSpPr>
+            <a:spLocks noGrp="1"/>
+          </p:cNvSpPr>
+          <p:nvPr>
+            <p:ph idx="1"/>
+          </p:nvPr>
+        </p:nvSpPr>
+        <p:spPr>
+          <a:xfrm>
+            <a:off x="677333" y="1732750"/>
+            <a:ext cx="9295342" cy="3880773"/>
+          </a:xfrm>
+        </p:spPr>
+        <p:txBody>
+          <a:bodyPr>
+            <a:normAutofit/>
+          </a:bodyPr>
+          <a:lstStyle/>
+          <a:p>
+            <a:pPr>
+              <a:lnSpc>
+                <a:spcPct val="200000"/>
+              </a:lnSpc>
+            </a:pPr>
+            <a:r>
+              <a:rPr lang="en-US" sz="2000" dirty="0"/>
+              <a:t>WindowFunction.com: </a:t>
+            </a:r>
+            <a:r>
+              <a:rPr lang="en-US" sz="2000" dirty="0">
+                <a:hlinkClick r:id="rId2"/>
+              </a:rPr>
+              <a:t>https://www.windowfunctions.com/questions/over/1</a:t>
+            </a:r>
+            <a:endParaRPr lang="en-US" sz="2000" dirty="0"/>
+          </a:p>
+          <a:p>
+            <a:pPr>
+              <a:lnSpc>
+                <a:spcPct val="200000"/>
+              </a:lnSpc>
+            </a:pPr>
+            <a:r>
+              <a:rPr lang="en-US" sz="2000" dirty="0"/>
+              <a:t>Code Academy SQL Course: </a:t>
+            </a:r>
+            <a:r>
+              <a:rPr lang="en-US" sz="2000" dirty="0">
+                <a:hlinkClick r:id="rId3"/>
+              </a:rPr>
+              <a:t>https://www.codecademy.com/learn/learn-sql</a:t>
+            </a:r>
+            <a:endParaRPr lang="en-US" sz="2000" dirty="0"/>
+          </a:p>
+          <a:p>
+            <a:pPr>
+              <a:lnSpc>
+                <a:spcPct val="200000"/>
+              </a:lnSpc>
+            </a:pPr>
+            <a:r>
+              <a:rPr lang="en-US" sz="2000" dirty="0"/>
+              <a:t>SQL Zoo: </a:t>
+            </a:r>
+            <a:r>
+              <a:rPr lang="en-US" sz="2000" dirty="0">
+                <a:hlinkClick r:id="rId4"/>
+              </a:rPr>
+              <a:t>https://sqlzoo.net/</a:t>
+            </a:r>
+            <a:endParaRPr lang="en-US" sz="2000" dirty="0"/>
+          </a:p>
+          <a:p>
+            <a:pPr>
+              <a:lnSpc>
+                <a:spcPct val="200000"/>
+              </a:lnSpc>
+            </a:pPr>
+            <a:r>
+              <a:rPr lang="en-US" sz="2000" dirty="0"/>
+              <a:t>W3 Schools: </a:t>
+            </a:r>
+            <a:r>
+              <a:rPr lang="en-US" sz="2000" dirty="0">
+                <a:hlinkClick r:id="rId5"/>
+              </a:rPr>
+              <a:t>https://www.w3schools.com/sql/sql_exercises.asp</a:t>
+            </a:r>
+            <a:endParaRPr lang="en-US" sz="2000" dirty="0"/>
+          </a:p>
+          <a:p>
+            <a:pPr marL="0" indent="0">
+              <a:lnSpc>
+                <a:spcPct val="200000"/>
+              </a:lnSpc>
+              <a:buNone/>
+            </a:pPr>
+            <a:endParaRPr lang="en-US" sz="2000" dirty="0"/>
+          </a:p>
+          <a:p>
+            <a:pPr>
+              <a:lnSpc>
+                <a:spcPct val="200000"/>
+              </a:lnSpc>
+            </a:pPr>
+            <a:endParaRPr lang="en-US" sz="2000" dirty="0"/>
+          </a:p>
+        </p:txBody>
+      </p:sp>
+    </p:spTree>
+    <p:extLst>
+      <p:ext uri="{BB962C8B-B14F-4D97-AF65-F5344CB8AC3E}">
+        <p14:creationId xmlns:p14="http://schemas.microsoft.com/office/powerpoint/2010/main" val="555277752"/>
+      </p:ext>
+    </p:extLst>
+  </p:cSld>
+  <p:clrMapOvr>
+    <a:masterClrMapping/>
+  </p:clrMapOvr>
+</p:sld>
+</file>
+
+<file path=ppt/slides/slide22.xml><?xml version="1.0" encoding="utf-8"?>
+<p:sld xmlns:a="http://schemas.openxmlformats.org/drawingml/2006/main" xmlns:r="http://schemas.openxmlformats.org/officeDocument/2006/relationships" xmlns:p="http://schemas.openxmlformats.org/presentationml/2006/main">
+  <p:cSld>
+    <p:spTree>
+      <p:nvGrpSpPr>
+        <p:cNvPr id="1" name=""/>
+        <p:cNvGrpSpPr/>
+        <p:nvPr/>
+      </p:nvGrpSpPr>
+      <p:grpSpPr>
+        <a:xfrm>
+          <a:off x="0" y="0"/>
+          <a:ext cx="0" cy="0"/>
+          <a:chOff x="0" y="0"/>
+          <a:chExt cx="0" cy="0"/>
+        </a:xfrm>
+      </p:grpSpPr>
+      <p:sp>
+        <p:nvSpPr>
+          <p:cNvPr id="2" name="Title 1">
+            <a:extLst>
+              <a:ext uri="{FF2B5EF4-FFF2-40B4-BE49-F238E27FC236}">
+                <a16:creationId xmlns:a16="http://schemas.microsoft.com/office/drawing/2014/main" id="{19AE8673-E267-4C34-83B2-E50F8C6C8167}"/>
+              </a:ext>
+            </a:extLst>
+          </p:cNvPr>
+          <p:cNvSpPr>
+            <a:spLocks noGrp="1"/>
+          </p:cNvSpPr>
+          <p:nvPr>
+            <p:ph type="ctrTitle"/>
+          </p:nvPr>
+        </p:nvSpPr>
+        <p:spPr>
+          <a:xfrm>
+            <a:off x="1448344" y="2404531"/>
+            <a:ext cx="7766936" cy="1646302"/>
+          </a:xfrm>
+        </p:spPr>
+        <p:txBody>
+          <a:bodyPr/>
+          <a:lstStyle/>
+          <a:p>
+            <a:pPr algn="l"/>
+            <a:r>
+              <a:rPr lang="en-US" dirty="0"/>
+              <a:t>Thank You!</a:t>
+            </a:r>
+          </a:p>
+        </p:txBody>
+      </p:sp>
+    </p:spTree>
+    <p:extLst>
+      <p:ext uri="{BB962C8B-B14F-4D97-AF65-F5344CB8AC3E}">
+        <p14:creationId xmlns:p14="http://schemas.microsoft.com/office/powerpoint/2010/main" val="1292329651"/>
+      </p:ext>
+    </p:extLst>
+  </p:cSld>
+  <p:clrMapOvr>
+    <a:masterClrMapping/>
+  </p:clrMapOvr>
+</p:sld>
+</file>
+
+<file path=ppt/slides/slide23.xml><?xml version="1.0" encoding="utf-8"?>
+<p:sld xmlns:a="http://schemas.openxmlformats.org/drawingml/2006/main" xmlns:r="http://schemas.openxmlformats.org/officeDocument/2006/relationships" xmlns:p="http://schemas.openxmlformats.org/presentationml/2006/main">
+  <p:cSld>
+    <p:spTree>
+      <p:nvGrpSpPr>
+        <p:cNvPr id="1" name=""/>
+        <p:cNvGrpSpPr/>
+        <p:nvPr/>
+      </p:nvGrpSpPr>
+      <p:grpSpPr>
+        <a:xfrm>
+          <a:off x="0" y="0"/>
+          <a:ext cx="0" cy="0"/>
+          <a:chOff x="0" y="0"/>
+          <a:chExt cx="0" cy="0"/>
+        </a:xfrm>
+      </p:grpSpPr>
+      <p:sp>
+        <p:nvSpPr>
+          <p:cNvPr id="2" name="Title 1">
+            <a:extLst>
+              <a:ext uri="{FF2B5EF4-FFF2-40B4-BE49-F238E27FC236}">
                 <a16:creationId xmlns:a16="http://schemas.microsoft.com/office/drawing/2014/main" id="{19AE8673-E267-4C34-83B2-E50F8C6C8167}"/>
               </a:ext>
             </a:extLst>
@@ -9245,7 +9521,7 @@
 </p:sld>
 </file>
 
-<file path=ppt/slides/slide22.xml><?xml version="1.0" encoding="utf-8"?>
+<file path=ppt/slides/slide24.xml><?xml version="1.0" encoding="utf-8"?>
 <p:sld xmlns:a="http://schemas.openxmlformats.org/drawingml/2006/main" xmlns:r="http://schemas.openxmlformats.org/officeDocument/2006/relationships" xmlns:p="http://schemas.openxmlformats.org/presentationml/2006/main">
   <p:cSld>
     <p:spTree>

--- a/Slides/Week 4 Lecture Slides.pptx
+++ b/Slides/Week 4 Lecture Slides.pptx
@@ -220,7 +220,7 @@
           <a:p>
             <a:fld id="{FBB8FC64-E39C-4C42-B46F-635013E3CE61}" type="datetimeFigureOut">
               <a:rPr lang="en-US" smtClean="0"/>
-              <a:t>9/20/2022</a:t>
+              <a:t>9/22/2022</a:t>
             </a:fld>
             <a:endParaRPr lang="en-US"/>
           </a:p>
@@ -2437,7 +2437,7 @@
           <a:p>
             <a:fld id="{BDCF5898-5A22-4DB9-8321-F98B64690223}" type="datetimeFigureOut">
               <a:rPr lang="en-US" smtClean="0"/>
-              <a:t>9/20/2022</a:t>
+              <a:t>9/22/2022</a:t>
             </a:fld>
             <a:endParaRPr lang="en-US"/>
           </a:p>
@@ -2688,7 +2688,7 @@
           <a:p>
             <a:fld id="{BDCF5898-5A22-4DB9-8321-F98B64690223}" type="datetimeFigureOut">
               <a:rPr lang="en-US" smtClean="0"/>
-              <a:t>9/20/2022</a:t>
+              <a:t>9/22/2022</a:t>
             </a:fld>
             <a:endParaRPr lang="en-US"/>
           </a:p>
@@ -3002,7 +3002,7 @@
           <a:p>
             <a:fld id="{BDCF5898-5A22-4DB9-8321-F98B64690223}" type="datetimeFigureOut">
               <a:rPr lang="en-US" smtClean="0"/>
-              <a:t>9/20/2022</a:t>
+              <a:t>9/22/2022</a:t>
             </a:fld>
             <a:endParaRPr lang="en-US"/>
           </a:p>
@@ -3343,7 +3343,7 @@
           <a:p>
             <a:fld id="{BDCF5898-5A22-4DB9-8321-F98B64690223}" type="datetimeFigureOut">
               <a:rPr lang="en-US" smtClean="0"/>
-              <a:t>9/20/2022</a:t>
+              <a:t>9/22/2022</a:t>
             </a:fld>
             <a:endParaRPr lang="en-US"/>
           </a:p>
@@ -3657,7 +3657,7 @@
           <a:p>
             <a:fld id="{BDCF5898-5A22-4DB9-8321-F98B64690223}" type="datetimeFigureOut">
               <a:rPr lang="en-US" smtClean="0"/>
-              <a:t>9/20/2022</a:t>
+              <a:t>9/22/2022</a:t>
             </a:fld>
             <a:endParaRPr lang="en-US"/>
           </a:p>
@@ -4050,7 +4050,7 @@
           <a:p>
             <a:fld id="{BDCF5898-5A22-4DB9-8321-F98B64690223}" type="datetimeFigureOut">
               <a:rPr lang="en-US" smtClean="0"/>
-              <a:t>9/20/2022</a:t>
+              <a:t>9/22/2022</a:t>
             </a:fld>
             <a:endParaRPr lang="en-US"/>
           </a:p>
@@ -4220,7 +4220,7 @@
           <a:p>
             <a:fld id="{BDCF5898-5A22-4DB9-8321-F98B64690223}" type="datetimeFigureOut">
               <a:rPr lang="en-US" smtClean="0"/>
-              <a:t>9/20/2022</a:t>
+              <a:t>9/22/2022</a:t>
             </a:fld>
             <a:endParaRPr lang="en-US"/>
           </a:p>
@@ -4400,7 +4400,7 @@
           <a:p>
             <a:fld id="{BDCF5898-5A22-4DB9-8321-F98B64690223}" type="datetimeFigureOut">
               <a:rPr lang="en-US" smtClean="0"/>
-              <a:t>9/20/2022</a:t>
+              <a:t>9/22/2022</a:t>
             </a:fld>
             <a:endParaRPr lang="en-US"/>
           </a:p>
@@ -4576,7 +4576,7 @@
           <a:p>
             <a:fld id="{BDCF5898-5A22-4DB9-8321-F98B64690223}" type="datetimeFigureOut">
               <a:rPr lang="en-US" smtClean="0"/>
-              <a:t>9/20/2022</a:t>
+              <a:t>9/22/2022</a:t>
             </a:fld>
             <a:endParaRPr lang="en-US"/>
           </a:p>
@@ -4823,7 +4823,7 @@
           <a:p>
             <a:fld id="{BDCF5898-5A22-4DB9-8321-F98B64690223}" type="datetimeFigureOut">
               <a:rPr lang="en-US" smtClean="0"/>
-              <a:t>9/20/2022</a:t>
+              <a:t>9/22/2022</a:t>
             </a:fld>
             <a:endParaRPr lang="en-US"/>
           </a:p>
@@ -5055,7 +5055,7 @@
           <a:p>
             <a:fld id="{BDCF5898-5A22-4DB9-8321-F98B64690223}" type="datetimeFigureOut">
               <a:rPr lang="en-US" smtClean="0"/>
-              <a:t>9/20/2022</a:t>
+              <a:t>9/22/2022</a:t>
             </a:fld>
             <a:endParaRPr lang="en-US"/>
           </a:p>
@@ -5429,7 +5429,7 @@
           <a:p>
             <a:fld id="{BDCF5898-5A22-4DB9-8321-F98B64690223}" type="datetimeFigureOut">
               <a:rPr lang="en-US" smtClean="0"/>
-              <a:t>9/20/2022</a:t>
+              <a:t>9/22/2022</a:t>
             </a:fld>
             <a:endParaRPr lang="en-US"/>
           </a:p>
@@ -5552,7 +5552,7 @@
           <a:p>
             <a:fld id="{BDCF5898-5A22-4DB9-8321-F98B64690223}" type="datetimeFigureOut">
               <a:rPr lang="en-US" smtClean="0"/>
-              <a:t>9/20/2022</a:t>
+              <a:t>9/22/2022</a:t>
             </a:fld>
             <a:endParaRPr lang="en-US"/>
           </a:p>
@@ -5647,7 +5647,7 @@
           <a:p>
             <a:fld id="{BDCF5898-5A22-4DB9-8321-F98B64690223}" type="datetimeFigureOut">
               <a:rPr lang="en-US" smtClean="0"/>
-              <a:t>9/20/2022</a:t>
+              <a:t>9/22/2022</a:t>
             </a:fld>
             <a:endParaRPr lang="en-US"/>
           </a:p>
@@ -5902,7 +5902,7 @@
           <a:p>
             <a:fld id="{BDCF5898-5A22-4DB9-8321-F98B64690223}" type="datetimeFigureOut">
               <a:rPr lang="en-US" smtClean="0"/>
-              <a:t>9/20/2022</a:t>
+              <a:t>9/22/2022</a:t>
             </a:fld>
             <a:endParaRPr lang="en-US"/>
           </a:p>
@@ -6165,7 +6165,7 @@
           <a:p>
             <a:fld id="{BDCF5898-5A22-4DB9-8321-F98B64690223}" type="datetimeFigureOut">
               <a:rPr lang="en-US" smtClean="0"/>
-              <a:t>9/20/2022</a:t>
+              <a:t>9/22/2022</a:t>
             </a:fld>
             <a:endParaRPr lang="en-US"/>
           </a:p>
@@ -6908,7 +6908,7 @@
           <a:p>
             <a:fld id="{BDCF5898-5A22-4DB9-8321-F98B64690223}" type="datetimeFigureOut">
               <a:rPr lang="en-US" smtClean="0"/>
-              <a:t>9/20/2022</a:t>
+              <a:t>9/22/2022</a:t>
             </a:fld>
             <a:endParaRPr lang="en-US"/>
           </a:p>
@@ -8915,7 +8915,7 @@
         <p:spPr>
           <a:xfrm>
             <a:off x="578568" y="4687094"/>
-            <a:ext cx="2339430" cy="646331"/>
+            <a:ext cx="2339430" cy="923330"/>
           </a:xfrm>
           <a:prstGeom prst="rect">
             <a:avLst/>
@@ -8930,7 +8930,7 @@
           <a:p>
             <a:r>
               <a:rPr lang="en-US" dirty="0"/>
-              <a:t>Orders the rows within a partition</a:t>
+              <a:t>Orders the rows within a partition for execution</a:t>
             </a:r>
           </a:p>
         </p:txBody>

--- a/Slides/Week 4 Lecture Slides.pptx
+++ b/Slides/Week 4 Lecture Slides.pptx
@@ -5,7 +5,7 @@
     <p:sldMasterId id="2147483660" r:id="rId1"/>
   </p:sldMasterIdLst>
   <p:notesMasterIdLst>
-    <p:notesMasterId r:id="rId26"/>
+    <p:notesMasterId r:id="rId24"/>
   </p:notesMasterIdLst>
   <p:sldIdLst>
     <p:sldId id="256" r:id="rId2"/>
@@ -30,8 +30,6 @@
     <p:sldId id="342" r:id="rId21"/>
     <p:sldId id="318" r:id="rId22"/>
     <p:sldId id="319" r:id="rId23"/>
-    <p:sldId id="320" r:id="rId24"/>
-    <p:sldId id="321" r:id="rId25"/>
   </p:sldIdLst>
   <p:sldSz cx="12192000" cy="6858000"/>
   <p:notesSz cx="6858000" cy="9144000"/>
@@ -220,7 +218,7 @@
           <a:p>
             <a:fld id="{FBB8FC64-E39C-4C42-B46F-635013E3CE61}" type="datetimeFigureOut">
               <a:rPr lang="en-US" smtClean="0"/>
-              <a:t>9/22/2022</a:t>
+              <a:t>9/23/2022</a:t>
             </a:fld>
             <a:endParaRPr lang="en-US"/>
           </a:p>
@@ -2437,7 +2435,7 @@
           <a:p>
             <a:fld id="{BDCF5898-5A22-4DB9-8321-F98B64690223}" type="datetimeFigureOut">
               <a:rPr lang="en-US" smtClean="0"/>
-              <a:t>9/22/2022</a:t>
+              <a:t>9/23/2022</a:t>
             </a:fld>
             <a:endParaRPr lang="en-US"/>
           </a:p>
@@ -2688,7 +2686,7 @@
           <a:p>
             <a:fld id="{BDCF5898-5A22-4DB9-8321-F98B64690223}" type="datetimeFigureOut">
               <a:rPr lang="en-US" smtClean="0"/>
-              <a:t>9/22/2022</a:t>
+              <a:t>9/23/2022</a:t>
             </a:fld>
             <a:endParaRPr lang="en-US"/>
           </a:p>
@@ -3002,7 +3000,7 @@
           <a:p>
             <a:fld id="{BDCF5898-5A22-4DB9-8321-F98B64690223}" type="datetimeFigureOut">
               <a:rPr lang="en-US" smtClean="0"/>
-              <a:t>9/22/2022</a:t>
+              <a:t>9/23/2022</a:t>
             </a:fld>
             <a:endParaRPr lang="en-US"/>
           </a:p>
@@ -3343,7 +3341,7 @@
           <a:p>
             <a:fld id="{BDCF5898-5A22-4DB9-8321-F98B64690223}" type="datetimeFigureOut">
               <a:rPr lang="en-US" smtClean="0"/>
-              <a:t>9/22/2022</a:t>
+              <a:t>9/23/2022</a:t>
             </a:fld>
             <a:endParaRPr lang="en-US"/>
           </a:p>
@@ -3657,7 +3655,7 @@
           <a:p>
             <a:fld id="{BDCF5898-5A22-4DB9-8321-F98B64690223}" type="datetimeFigureOut">
               <a:rPr lang="en-US" smtClean="0"/>
-              <a:t>9/22/2022</a:t>
+              <a:t>9/23/2022</a:t>
             </a:fld>
             <a:endParaRPr lang="en-US"/>
           </a:p>
@@ -4050,7 +4048,7 @@
           <a:p>
             <a:fld id="{BDCF5898-5A22-4DB9-8321-F98B64690223}" type="datetimeFigureOut">
               <a:rPr lang="en-US" smtClean="0"/>
-              <a:t>9/22/2022</a:t>
+              <a:t>9/23/2022</a:t>
             </a:fld>
             <a:endParaRPr lang="en-US"/>
           </a:p>
@@ -4220,7 +4218,7 @@
           <a:p>
             <a:fld id="{BDCF5898-5A22-4DB9-8321-F98B64690223}" type="datetimeFigureOut">
               <a:rPr lang="en-US" smtClean="0"/>
-              <a:t>9/22/2022</a:t>
+              <a:t>9/23/2022</a:t>
             </a:fld>
             <a:endParaRPr lang="en-US"/>
           </a:p>
@@ -4400,7 +4398,7 @@
           <a:p>
             <a:fld id="{BDCF5898-5A22-4DB9-8321-F98B64690223}" type="datetimeFigureOut">
               <a:rPr lang="en-US" smtClean="0"/>
-              <a:t>9/22/2022</a:t>
+              <a:t>9/23/2022</a:t>
             </a:fld>
             <a:endParaRPr lang="en-US"/>
           </a:p>
@@ -4576,7 +4574,7 @@
           <a:p>
             <a:fld id="{BDCF5898-5A22-4DB9-8321-F98B64690223}" type="datetimeFigureOut">
               <a:rPr lang="en-US" smtClean="0"/>
-              <a:t>9/22/2022</a:t>
+              <a:t>9/23/2022</a:t>
             </a:fld>
             <a:endParaRPr lang="en-US"/>
           </a:p>
@@ -4823,7 +4821,7 @@
           <a:p>
             <a:fld id="{BDCF5898-5A22-4DB9-8321-F98B64690223}" type="datetimeFigureOut">
               <a:rPr lang="en-US" smtClean="0"/>
-              <a:t>9/22/2022</a:t>
+              <a:t>9/23/2022</a:t>
             </a:fld>
             <a:endParaRPr lang="en-US"/>
           </a:p>
@@ -5055,7 +5053,7 @@
           <a:p>
             <a:fld id="{BDCF5898-5A22-4DB9-8321-F98B64690223}" type="datetimeFigureOut">
               <a:rPr lang="en-US" smtClean="0"/>
-              <a:t>9/22/2022</a:t>
+              <a:t>9/23/2022</a:t>
             </a:fld>
             <a:endParaRPr lang="en-US"/>
           </a:p>
@@ -5429,7 +5427,7 @@
           <a:p>
             <a:fld id="{BDCF5898-5A22-4DB9-8321-F98B64690223}" type="datetimeFigureOut">
               <a:rPr lang="en-US" smtClean="0"/>
-              <a:t>9/22/2022</a:t>
+              <a:t>9/23/2022</a:t>
             </a:fld>
             <a:endParaRPr lang="en-US"/>
           </a:p>
@@ -5552,7 +5550,7 @@
           <a:p>
             <a:fld id="{BDCF5898-5A22-4DB9-8321-F98B64690223}" type="datetimeFigureOut">
               <a:rPr lang="en-US" smtClean="0"/>
-              <a:t>9/22/2022</a:t>
+              <a:t>9/23/2022</a:t>
             </a:fld>
             <a:endParaRPr lang="en-US"/>
           </a:p>
@@ -5647,7 +5645,7 @@
           <a:p>
             <a:fld id="{BDCF5898-5A22-4DB9-8321-F98B64690223}" type="datetimeFigureOut">
               <a:rPr lang="en-US" smtClean="0"/>
-              <a:t>9/22/2022</a:t>
+              <a:t>9/23/2022</a:t>
             </a:fld>
             <a:endParaRPr lang="en-US"/>
           </a:p>
@@ -5902,7 +5900,7 @@
           <a:p>
             <a:fld id="{BDCF5898-5A22-4DB9-8321-F98B64690223}" type="datetimeFigureOut">
               <a:rPr lang="en-US" smtClean="0"/>
-              <a:t>9/22/2022</a:t>
+              <a:t>9/23/2022</a:t>
             </a:fld>
             <a:endParaRPr lang="en-US"/>
           </a:p>
@@ -6165,7 +6163,7 @@
           <a:p>
             <a:fld id="{BDCF5898-5A22-4DB9-8321-F98B64690223}" type="datetimeFigureOut">
               <a:rPr lang="en-US" smtClean="0"/>
-              <a:t>9/22/2022</a:t>
+              <a:t>9/23/2022</a:t>
             </a:fld>
             <a:endParaRPr lang="en-US"/>
           </a:p>
@@ -6908,7 +6906,7 @@
           <a:p>
             <a:fld id="{BDCF5898-5A22-4DB9-8321-F98B64690223}" type="datetimeFigureOut">
               <a:rPr lang="en-US" smtClean="0"/>
-              <a:t>9/22/2022</a:t>
+              <a:t>9/23/2022</a:t>
             </a:fld>
             <a:endParaRPr lang="en-US"/>
           </a:p>
@@ -9448,172 +9446,6 @@
     <p:extLst>
       <p:ext uri="{BB962C8B-B14F-4D97-AF65-F5344CB8AC3E}">
         <p14:creationId xmlns:p14="http://schemas.microsoft.com/office/powerpoint/2010/main" val="1292329651"/>
-      </p:ext>
-    </p:extLst>
-  </p:cSld>
-  <p:clrMapOvr>
-    <a:masterClrMapping/>
-  </p:clrMapOvr>
-</p:sld>
-</file>
-
-<file path=ppt/slides/slide23.xml><?xml version="1.0" encoding="utf-8"?>
-<p:sld xmlns:a="http://schemas.openxmlformats.org/drawingml/2006/main" xmlns:r="http://schemas.openxmlformats.org/officeDocument/2006/relationships" xmlns:p="http://schemas.openxmlformats.org/presentationml/2006/main">
-  <p:cSld>
-    <p:spTree>
-      <p:nvGrpSpPr>
-        <p:cNvPr id="1" name=""/>
-        <p:cNvGrpSpPr/>
-        <p:nvPr/>
-      </p:nvGrpSpPr>
-      <p:grpSpPr>
-        <a:xfrm>
-          <a:off x="0" y="0"/>
-          <a:ext cx="0" cy="0"/>
-          <a:chOff x="0" y="0"/>
-          <a:chExt cx="0" cy="0"/>
-        </a:xfrm>
-      </p:grpSpPr>
-      <p:sp>
-        <p:nvSpPr>
-          <p:cNvPr id="2" name="Title 1">
-            <a:extLst>
-              <a:ext uri="{FF2B5EF4-FFF2-40B4-BE49-F238E27FC236}">
-                <a16:creationId xmlns:a16="http://schemas.microsoft.com/office/drawing/2014/main" id="{19AE8673-E267-4C34-83B2-E50F8C6C8167}"/>
-              </a:ext>
-            </a:extLst>
-          </p:cNvPr>
-          <p:cNvSpPr>
-            <a:spLocks noGrp="1"/>
-          </p:cNvSpPr>
-          <p:nvPr>
-            <p:ph type="ctrTitle"/>
-          </p:nvPr>
-        </p:nvSpPr>
-        <p:spPr>
-          <a:xfrm>
-            <a:off x="1448344" y="2404531"/>
-            <a:ext cx="7766936" cy="1646302"/>
-          </a:xfrm>
-        </p:spPr>
-        <p:txBody>
-          <a:bodyPr/>
-          <a:lstStyle/>
-          <a:p>
-            <a:pPr algn="l"/>
-            <a:r>
-              <a:rPr lang="en-US" dirty="0"/>
-              <a:t>Appendix</a:t>
-            </a:r>
-          </a:p>
-        </p:txBody>
-      </p:sp>
-    </p:spTree>
-    <p:extLst>
-      <p:ext uri="{BB962C8B-B14F-4D97-AF65-F5344CB8AC3E}">
-        <p14:creationId xmlns:p14="http://schemas.microsoft.com/office/powerpoint/2010/main" val="1545503435"/>
-      </p:ext>
-    </p:extLst>
-  </p:cSld>
-  <p:clrMapOvr>
-    <a:masterClrMapping/>
-  </p:clrMapOvr>
-</p:sld>
-</file>
-
-<file path=ppt/slides/slide24.xml><?xml version="1.0" encoding="utf-8"?>
-<p:sld xmlns:a="http://schemas.openxmlformats.org/drawingml/2006/main" xmlns:r="http://schemas.openxmlformats.org/officeDocument/2006/relationships" xmlns:p="http://schemas.openxmlformats.org/presentationml/2006/main">
-  <p:cSld>
-    <p:spTree>
-      <p:nvGrpSpPr>
-        <p:cNvPr id="1" name=""/>
-        <p:cNvGrpSpPr/>
-        <p:nvPr/>
-      </p:nvGrpSpPr>
-      <p:grpSpPr>
-        <a:xfrm>
-          <a:off x="0" y="0"/>
-          <a:ext cx="0" cy="0"/>
-          <a:chOff x="0" y="0"/>
-          <a:chExt cx="0" cy="0"/>
-        </a:xfrm>
-      </p:grpSpPr>
-      <p:sp>
-        <p:nvSpPr>
-          <p:cNvPr id="2" name="Title 1">
-            <a:extLst>
-              <a:ext uri="{FF2B5EF4-FFF2-40B4-BE49-F238E27FC236}">
-                <a16:creationId xmlns:a16="http://schemas.microsoft.com/office/drawing/2014/main" id="{972486FC-8DDC-4C84-B6A8-725DE7A8E599}"/>
-              </a:ext>
-            </a:extLst>
-          </p:cNvPr>
-          <p:cNvSpPr>
-            <a:spLocks noGrp="1"/>
-          </p:cNvSpPr>
-          <p:nvPr>
-            <p:ph type="title"/>
-          </p:nvPr>
-        </p:nvSpPr>
-        <p:spPr/>
-        <p:txBody>
-          <a:bodyPr/>
-          <a:lstStyle/>
-          <a:p>
-            <a:r>
-              <a:rPr lang="en-US" dirty="0"/>
-              <a:t>XXX</a:t>
-            </a:r>
-          </a:p>
-        </p:txBody>
-      </p:sp>
-      <p:sp>
-        <p:nvSpPr>
-          <p:cNvPr id="6" name="Content Placeholder 2">
-            <a:extLst>
-              <a:ext uri="{FF2B5EF4-FFF2-40B4-BE49-F238E27FC236}">
-                <a16:creationId xmlns:a16="http://schemas.microsoft.com/office/drawing/2014/main" id="{4E8054A1-14AA-4D56-A82D-A5F05B2A9F7E}"/>
-              </a:ext>
-            </a:extLst>
-          </p:cNvPr>
-          <p:cNvSpPr>
-            <a:spLocks noGrp="1"/>
-          </p:cNvSpPr>
-          <p:nvPr>
-            <p:ph idx="1"/>
-          </p:nvPr>
-        </p:nvSpPr>
-        <p:spPr>
-          <a:xfrm>
-            <a:off x="677334" y="1583771"/>
-            <a:ext cx="8839528" cy="4664629"/>
-          </a:xfrm>
-        </p:spPr>
-        <p:txBody>
-          <a:bodyPr>
-            <a:normAutofit/>
-          </a:bodyPr>
-          <a:lstStyle/>
-          <a:p>
-            <a:r>
-              <a:rPr lang="en-US" sz="2200" dirty="0"/>
-              <a:t>List functions here</a:t>
-            </a:r>
-          </a:p>
-          <a:p>
-            <a:pPr marL="0" indent="0">
-              <a:buNone/>
-            </a:pPr>
-            <a:endParaRPr lang="en-US" sz="2200" dirty="0"/>
-          </a:p>
-          <a:p>
-            <a:endParaRPr lang="en-US" sz="2200" dirty="0"/>
-          </a:p>
-        </p:txBody>
-      </p:sp>
-    </p:spTree>
-    <p:extLst>
-      <p:ext uri="{BB962C8B-B14F-4D97-AF65-F5344CB8AC3E}">
-        <p14:creationId xmlns:p14="http://schemas.microsoft.com/office/powerpoint/2010/main" val="77674788"/>
       </p:ext>
     </p:extLst>
   </p:cSld>
